--- a/Docs/Pautas de la presentación.pptx
+++ b/Docs/Pautas de la presentación.pptx
@@ -105,6 +105,11 @@
       </a:defRPr>
     </a:lvl9pPr>
   </p:defaultTextStyle>
+  <p:extLst>
+    <p:ext uri="{EFAFB233-063F-42B5-8137-9DF3F51BA10A}">
+      <p15:sldGuideLst xmlns:p15="http://schemas.microsoft.com/office/powerpoint/2012/main"/>
+    </p:ext>
+  </p:extLst>
 </p:presentation>
 </file>
 
@@ -5766,7 +5771,7 @@
         <p:spPr/>
         <p:txBody>
           <a:bodyPr>
-            <a:normAutofit lnSpcReduction="10000"/>
+            <a:normAutofit fontScale="85000" lnSpcReduction="20000"/>
           </a:bodyPr>
           <a:lstStyle/>
           <a:p>
@@ -5822,10 +5827,23 @@
               <a:rPr lang="es-CO" dirty="0" smtClean="0"/>
               <a:t>Prototipo </a:t>
             </a:r>
-          </a:p>
-          <a:p>
-            <a:r>
-              <a:rPr lang="es-CO" dirty="0" smtClean="0"/>
+            <a:endParaRPr lang="es-CO" dirty="0" smtClean="0"/>
+          </a:p>
+          <a:p>
+            <a:r>
+              <a:rPr lang="es-CO" dirty="0"/>
+              <a:t>Base de datos</a:t>
+            </a:r>
+          </a:p>
+          <a:p>
+            <a:r>
+              <a:rPr lang="es-CO"/>
+              <a:t>Servidor</a:t>
+            </a:r>
+          </a:p>
+          <a:p>
+            <a:r>
+              <a:rPr lang="es-CO" smtClean="0"/>
               <a:t>APK</a:t>
             </a:r>
             <a:endParaRPr lang="es-419" dirty="0"/>
